--- a/Introduction.pptx
+++ b/Introduction.pptx
@@ -9247,70 +9247,6 @@
           </a:effectLst>
         </p:spPr>
       </p:pic>
-      <p:sp>
-        <p:nvSpPr>
-          <p:cNvPr id="18" name="TextBox 17">
-            <a:extLst>
-              <a:ext uri="{FF2B5EF4-FFF2-40B4-BE49-F238E27FC236}">
-                <a16:creationId xmlns:a16="http://schemas.microsoft.com/office/drawing/2014/main" id="{6E12F816-C3CD-4530-8A38-EA1CAD6FAA79}"/>
-              </a:ext>
-            </a:extLst>
-          </p:cNvPr>
-          <p:cNvSpPr txBox="1"/>
-          <p:nvPr/>
-        </p:nvSpPr>
-        <p:spPr>
-          <a:xfrm>
-            <a:off x="7584719" y="5066022"/>
-            <a:ext cx="4607281" cy="1261884"/>
-          </a:xfrm>
-          <a:prstGeom prst="rect">
-            <a:avLst/>
-          </a:prstGeom>
-          <a:noFill/>
-        </p:spPr>
-        <p:txBody>
-          <a:bodyPr wrap="square" rtlCol="0">
-            <a:spAutoFit/>
-          </a:bodyPr>
-          <a:lstStyle/>
-          <a:p>
-            <a:pPr algn="ctr"/>
-            <a:r>
-              <a:rPr lang="en-ZA" sz="2800" b="1" dirty="0"/>
-              <a:t>Timothy Freeman</a:t>
-            </a:r>
-          </a:p>
-          <a:p>
-            <a:pPr algn="ctr"/>
-            <a:r>
-              <a:rPr lang="en-ZA" sz="2800" dirty="0" err="1"/>
-              <a:t>Bsc</a:t>
-            </a:r>
-            <a:r>
-              <a:rPr lang="en-ZA" sz="2800" dirty="0"/>
-              <a:t>, </a:t>
-            </a:r>
-            <a:r>
-              <a:rPr lang="en-ZA" sz="2800" dirty="0" err="1"/>
-              <a:t>Msc</a:t>
-            </a:r>
-            <a:endParaRPr lang="en-ZA" sz="2800" dirty="0"/>
-          </a:p>
-          <a:p>
-            <a:pPr lvl="0" algn="ctr"/>
-            <a:r>
-              <a:rPr lang="en-US" sz="2000" dirty="0">
-                <a:solidFill>
-                  <a:srgbClr val="2A196F"/>
-                </a:solidFill>
-              </a:rPr>
-              <a:t>tmfreeman1@sheffield.ac.uk</a:t>
-            </a:r>
-            <a:endParaRPr lang="en-ZA" sz="2800" b="1" dirty="0"/>
-          </a:p>
-        </p:txBody>
-      </p:sp>
       <p:pic>
         <p:nvPicPr>
           <p:cNvPr id="5" name="Picture 4" descr="A person wearing glasses and smiling at the camera&#10;&#10;Description automatically generated">
@@ -9350,6 +9286,61 @@
           </a:effectLst>
         </p:spPr>
       </p:pic>
+      <p:sp>
+        <p:nvSpPr>
+          <p:cNvPr id="17" name="TextBox 16">
+            <a:extLst>
+              <a:ext uri="{FF2B5EF4-FFF2-40B4-BE49-F238E27FC236}">
+                <a16:creationId xmlns:a16="http://schemas.microsoft.com/office/drawing/2014/main" id="{6D8212C7-C7D5-4100-A804-A6E172FEA74F}"/>
+              </a:ext>
+            </a:extLst>
+          </p:cNvPr>
+          <p:cNvSpPr txBox="1"/>
+          <p:nvPr/>
+        </p:nvSpPr>
+        <p:spPr>
+          <a:xfrm>
+            <a:off x="7584719" y="5066022"/>
+            <a:ext cx="4607281" cy="1261884"/>
+          </a:xfrm>
+          <a:prstGeom prst="rect">
+            <a:avLst/>
+          </a:prstGeom>
+          <a:noFill/>
+        </p:spPr>
+        <p:txBody>
+          <a:bodyPr wrap="square" rtlCol="0">
+            <a:spAutoFit/>
+          </a:bodyPr>
+          <a:lstStyle/>
+          <a:p>
+            <a:pPr algn="ctr"/>
+            <a:r>
+              <a:rPr lang="en-ZA" sz="2800" b="1" dirty="0"/>
+              <a:t>Timothy Freeman</a:t>
+            </a:r>
+          </a:p>
+          <a:p>
+            <a:pPr algn="ctr"/>
+            <a:r>
+              <a:rPr lang="en-ZA" sz="2800" dirty="0"/>
+              <a:t>BA, MPhil</a:t>
+            </a:r>
+          </a:p>
+          <a:p>
+            <a:pPr lvl="0" algn="ctr"/>
+            <a:r>
+              <a:rPr lang="en-US" sz="2000" dirty="0">
+                <a:solidFill>
+                  <a:srgbClr val="2A196F"/>
+                </a:solidFill>
+              </a:rPr>
+              <a:t>tmfreeman1@sheffield.ac.uk</a:t>
+            </a:r>
+            <a:endParaRPr lang="en-ZA" sz="2800" b="1" dirty="0"/>
+          </a:p>
+        </p:txBody>
+      </p:sp>
     </p:spTree>
     <p:extLst>
       <p:ext uri="{BB962C8B-B14F-4D97-AF65-F5344CB8AC3E}">
